--- a/files/Matching rules.pptx
+++ b/files/Matching rules.pptx
@@ -835,7 +835,7 @@
           <a:p>
             <a:fld id="{CDD9118B-4BAD-4C1F-9C8A-6ED75048C1CF}" type="datetimeFigureOut">
               <a:rPr lang="zh-CN" altLang="en-US" smtClean="0"/>
-              <a:t>2021/8/4</a:t>
+              <a:t>2021/8/16</a:t>
             </a:fld>
             <a:endParaRPr lang="zh-CN" altLang="en-US"/>
           </a:p>
@@ -1086,7 +1086,7 @@
           <a:p>
             <a:fld id="{CDD9118B-4BAD-4C1F-9C8A-6ED75048C1CF}" type="datetimeFigureOut">
               <a:rPr lang="zh-CN" altLang="en-US" smtClean="0"/>
-              <a:t>2021/8/4</a:t>
+              <a:t>2021/8/16</a:t>
             </a:fld>
             <a:endParaRPr lang="zh-CN" altLang="en-US"/>
           </a:p>
@@ -1400,7 +1400,7 @@
           <a:p>
             <a:fld id="{CDD9118B-4BAD-4C1F-9C8A-6ED75048C1CF}" type="datetimeFigureOut">
               <a:rPr lang="zh-CN" altLang="en-US" smtClean="0"/>
-              <a:t>2021/8/4</a:t>
+              <a:t>2021/8/16</a:t>
             </a:fld>
             <a:endParaRPr lang="zh-CN" altLang="en-US"/>
           </a:p>
@@ -1741,7 +1741,7 @@
           <a:p>
             <a:fld id="{CDD9118B-4BAD-4C1F-9C8A-6ED75048C1CF}" type="datetimeFigureOut">
               <a:rPr lang="zh-CN" altLang="en-US" smtClean="0"/>
-              <a:t>2021/8/4</a:t>
+              <a:t>2021/8/16</a:t>
             </a:fld>
             <a:endParaRPr lang="zh-CN" altLang="en-US"/>
           </a:p>
@@ -2055,7 +2055,7 @@
           <a:p>
             <a:fld id="{CDD9118B-4BAD-4C1F-9C8A-6ED75048C1CF}" type="datetimeFigureOut">
               <a:rPr lang="zh-CN" altLang="en-US" smtClean="0"/>
-              <a:t>2021/8/4</a:t>
+              <a:t>2021/8/16</a:t>
             </a:fld>
             <a:endParaRPr lang="zh-CN" altLang="en-US"/>
           </a:p>
@@ -2448,7 +2448,7 @@
           <a:p>
             <a:fld id="{CDD9118B-4BAD-4C1F-9C8A-6ED75048C1CF}" type="datetimeFigureOut">
               <a:rPr lang="zh-CN" altLang="en-US" smtClean="0"/>
-              <a:t>2021/8/4</a:t>
+              <a:t>2021/8/16</a:t>
             </a:fld>
             <a:endParaRPr lang="zh-CN" altLang="en-US"/>
           </a:p>
@@ -2618,7 +2618,7 @@
           <a:p>
             <a:fld id="{CDD9118B-4BAD-4C1F-9C8A-6ED75048C1CF}" type="datetimeFigureOut">
               <a:rPr lang="zh-CN" altLang="en-US" smtClean="0"/>
-              <a:t>2021/8/4</a:t>
+              <a:t>2021/8/16</a:t>
             </a:fld>
             <a:endParaRPr lang="zh-CN" altLang="en-US"/>
           </a:p>
@@ -2798,7 +2798,7 @@
           <a:p>
             <a:fld id="{CDD9118B-4BAD-4C1F-9C8A-6ED75048C1CF}" type="datetimeFigureOut">
               <a:rPr lang="zh-CN" altLang="en-US" smtClean="0"/>
-              <a:t>2021/8/4</a:t>
+              <a:t>2021/8/16</a:t>
             </a:fld>
             <a:endParaRPr lang="zh-CN" altLang="en-US"/>
           </a:p>
@@ -2974,7 +2974,7 @@
           <a:p>
             <a:fld id="{CDD9118B-4BAD-4C1F-9C8A-6ED75048C1CF}" type="datetimeFigureOut">
               <a:rPr lang="zh-CN" altLang="en-US" smtClean="0"/>
-              <a:t>2021/8/4</a:t>
+              <a:t>2021/8/16</a:t>
             </a:fld>
             <a:endParaRPr lang="zh-CN" altLang="en-US"/>
           </a:p>
@@ -3221,7 +3221,7 @@
           <a:p>
             <a:fld id="{CDD9118B-4BAD-4C1F-9C8A-6ED75048C1CF}" type="datetimeFigureOut">
               <a:rPr lang="zh-CN" altLang="en-US" smtClean="0"/>
-              <a:t>2021/8/4</a:t>
+              <a:t>2021/8/16</a:t>
             </a:fld>
             <a:endParaRPr lang="zh-CN" altLang="en-US"/>
           </a:p>
@@ -3453,7 +3453,7 @@
           <a:p>
             <a:fld id="{CDD9118B-4BAD-4C1F-9C8A-6ED75048C1CF}" type="datetimeFigureOut">
               <a:rPr lang="zh-CN" altLang="en-US" smtClean="0"/>
-              <a:t>2021/8/4</a:t>
+              <a:t>2021/8/16</a:t>
             </a:fld>
             <a:endParaRPr lang="zh-CN" altLang="en-US"/>
           </a:p>
@@ -3827,7 +3827,7 @@
           <a:p>
             <a:fld id="{CDD9118B-4BAD-4C1F-9C8A-6ED75048C1CF}" type="datetimeFigureOut">
               <a:rPr lang="zh-CN" altLang="en-US" smtClean="0"/>
-              <a:t>2021/8/4</a:t>
+              <a:t>2021/8/16</a:t>
             </a:fld>
             <a:endParaRPr lang="zh-CN" altLang="en-US"/>
           </a:p>
@@ -3950,7 +3950,7 @@
           <a:p>
             <a:fld id="{CDD9118B-4BAD-4C1F-9C8A-6ED75048C1CF}" type="datetimeFigureOut">
               <a:rPr lang="zh-CN" altLang="en-US" smtClean="0"/>
-              <a:t>2021/8/4</a:t>
+              <a:t>2021/8/16</a:t>
             </a:fld>
             <a:endParaRPr lang="zh-CN" altLang="en-US"/>
           </a:p>
@@ -4045,7 +4045,7 @@
           <a:p>
             <a:fld id="{CDD9118B-4BAD-4C1F-9C8A-6ED75048C1CF}" type="datetimeFigureOut">
               <a:rPr lang="zh-CN" altLang="en-US" smtClean="0"/>
-              <a:t>2021/8/4</a:t>
+              <a:t>2021/8/16</a:t>
             </a:fld>
             <a:endParaRPr lang="zh-CN" altLang="en-US"/>
           </a:p>
@@ -4300,7 +4300,7 @@
           <a:p>
             <a:fld id="{CDD9118B-4BAD-4C1F-9C8A-6ED75048C1CF}" type="datetimeFigureOut">
               <a:rPr lang="zh-CN" altLang="en-US" smtClean="0"/>
-              <a:t>2021/8/4</a:t>
+              <a:t>2021/8/16</a:t>
             </a:fld>
             <a:endParaRPr lang="zh-CN" altLang="en-US"/>
           </a:p>
@@ -4563,7 +4563,7 @@
           <a:p>
             <a:fld id="{CDD9118B-4BAD-4C1F-9C8A-6ED75048C1CF}" type="datetimeFigureOut">
               <a:rPr lang="zh-CN" altLang="en-US" smtClean="0"/>
-              <a:t>2021/8/4</a:t>
+              <a:t>2021/8/16</a:t>
             </a:fld>
             <a:endParaRPr lang="zh-CN" altLang="en-US"/>
           </a:p>
@@ -5306,7 +5306,7 @@
           <a:p>
             <a:fld id="{CDD9118B-4BAD-4C1F-9C8A-6ED75048C1CF}" type="datetimeFigureOut">
               <a:rPr lang="zh-CN" altLang="en-US" smtClean="0"/>
-              <a:t>2021/8/4</a:t>
+              <a:t>2021/8/16</a:t>
             </a:fld>
             <a:endParaRPr lang="zh-CN" altLang="en-US"/>
           </a:p>
@@ -6078,6 +6078,258 @@
           </a:p>
         </p:txBody>
       </p:sp>
+      <p:sp>
+        <p:nvSpPr>
+          <p:cNvPr id="3" name="文本框 2">
+            <a:extLst>
+              <a:ext uri="{FF2B5EF4-FFF2-40B4-BE49-F238E27FC236}">
+                <a16:creationId xmlns:a16="http://schemas.microsoft.com/office/drawing/2014/main" id="{2E12EE98-E09E-49CE-8C0D-EE04F86F36F4}"/>
+              </a:ext>
+            </a:extLst>
+          </p:cNvPr>
+          <p:cNvSpPr txBox="1"/>
+          <p:nvPr/>
+        </p:nvSpPr>
+        <p:spPr>
+          <a:xfrm>
+            <a:off x="350982" y="166255"/>
+            <a:ext cx="9430328" cy="5693866"/>
+          </a:xfrm>
+          <a:prstGeom prst="rect">
+            <a:avLst/>
+          </a:prstGeom>
+          <a:noFill/>
+        </p:spPr>
+        <p:txBody>
+          <a:bodyPr wrap="square" rtlCol="0">
+            <a:spAutoFit/>
+          </a:bodyPr>
+          <a:lstStyle/>
+          <a:p>
+            <a:r>
+              <a:rPr lang="en-US" altLang="zh-CN" sz="3200" b="1" dirty="0">
+                <a:latin typeface="Times New Roman" panose="02020603050405020304" pitchFamily="18" charset="0"/>
+                <a:cs typeface="Times New Roman" panose="02020603050405020304" pitchFamily="18" charset="0"/>
+              </a:rPr>
+              <a:t>Rules for Fuzzy Matching Gene Names (Version   )</a:t>
+            </a:r>
+          </a:p>
+          <a:p>
+            <a:endParaRPr lang="en-US" altLang="zh-CN" sz="3200" dirty="0">
+              <a:latin typeface="Times New Roman" panose="02020603050405020304" pitchFamily="18" charset="0"/>
+              <a:cs typeface="Times New Roman" panose="02020603050405020304" pitchFamily="18" charset="0"/>
+            </a:endParaRPr>
+          </a:p>
+          <a:p>
+            <a:pPr algn="l">
+              <a:buFont typeface="+mj-lt"/>
+              <a:buAutoNum type="arabicPeriod"/>
+            </a:pPr>
+            <a:r>
+              <a:rPr lang="en-US" altLang="zh-CN" sz="2000" b="0" i="0" dirty="0">
+                <a:solidFill>
+                  <a:srgbClr val="24292F"/>
+                </a:solidFill>
+                <a:effectLst/>
+                <a:latin typeface="-apple-system"/>
+              </a:rPr>
+              <a:t>Capitalize all letters.</a:t>
+            </a:r>
+          </a:p>
+          <a:p>
+            <a:pPr algn="l">
+              <a:buFont typeface="+mj-lt"/>
+              <a:buAutoNum type="arabicPeriod"/>
+            </a:pPr>
+            <a:r>
+              <a:rPr lang="en-US" altLang="zh-CN" sz="2000" b="0" i="0" dirty="0">
+                <a:solidFill>
+                  <a:srgbClr val="24292F"/>
+                </a:solidFill>
+                <a:effectLst/>
+                <a:latin typeface="-apple-system"/>
+              </a:rPr>
+              <a:t>Remove spaces from the names.</a:t>
+            </a:r>
+          </a:p>
+          <a:p>
+            <a:pPr algn="l">
+              <a:buFont typeface="+mj-lt"/>
+              <a:buAutoNum type="arabicPeriod"/>
+            </a:pPr>
+            <a:r>
+              <a:rPr lang="en-US" altLang="zh-CN" sz="2000" b="0" i="0" dirty="0">
+                <a:solidFill>
+                  <a:srgbClr val="24292F"/>
+                </a:solidFill>
+                <a:effectLst/>
+                <a:latin typeface="-apple-system"/>
+              </a:rPr>
+              <a:t>Remove decimal points from the names.</a:t>
+            </a:r>
+          </a:p>
+          <a:p>
+            <a:pPr algn="l">
+              <a:buFont typeface="+mj-lt"/>
+              <a:buAutoNum type="arabicPeriod"/>
+            </a:pPr>
+            <a:r>
+              <a:rPr lang="en-US" altLang="zh-CN" sz="2000" b="0" i="0" dirty="0">
+                <a:solidFill>
+                  <a:srgbClr val="24292F"/>
+                </a:solidFill>
+                <a:effectLst/>
+                <a:latin typeface="-apple-system"/>
+              </a:rPr>
+              <a:t>Remove the brackets and the contents of the brackets in the names.</a:t>
+            </a:r>
+          </a:p>
+          <a:p>
+            <a:pPr algn="l">
+              <a:buFont typeface="+mj-lt"/>
+              <a:buAutoNum type="arabicPeriod"/>
+            </a:pPr>
+            <a:r>
+              <a:rPr lang="en-US" altLang="zh-CN" sz="2000" b="0" i="0" dirty="0">
+                <a:solidFill>
+                  <a:srgbClr val="24292F"/>
+                </a:solidFill>
+                <a:effectLst/>
+                <a:latin typeface="-apple-system"/>
+              </a:rPr>
+              <a:t>Remove the numbers at the end of the names.</a:t>
+            </a:r>
+          </a:p>
+          <a:p>
+            <a:pPr algn="l">
+              <a:buFont typeface="+mj-lt"/>
+              <a:buAutoNum type="arabicPeriod"/>
+            </a:pPr>
+            <a:r>
+              <a:rPr lang="en-US" altLang="zh-CN" sz="2000" b="0" i="0" dirty="0">
+                <a:solidFill>
+                  <a:srgbClr val="24292F"/>
+                </a:solidFill>
+                <a:effectLst/>
+                <a:latin typeface="-apple-system"/>
+              </a:rPr>
+              <a:t>If dash can be found in the name.</a:t>
+            </a:r>
+          </a:p>
+          <a:p>
+            <a:pPr marL="742950" lvl="1" indent="-285750" algn="l">
+              <a:buFont typeface="+mj-lt"/>
+              <a:buAutoNum type="arabicPeriod"/>
+            </a:pPr>
+            <a:r>
+              <a:rPr lang="en-US" altLang="zh-CN" sz="2000" b="0" i="0" dirty="0">
+                <a:solidFill>
+                  <a:srgbClr val="24292F"/>
+                </a:solidFill>
+                <a:effectLst/>
+                <a:latin typeface="-apple-system"/>
+              </a:rPr>
+              <a:t>If the dash is followed by numbers, keep only the content before the dash.</a:t>
+            </a:r>
+          </a:p>
+          <a:p>
+            <a:pPr marL="742950" lvl="1" indent="-285750" algn="l">
+              <a:buFont typeface="+mj-lt"/>
+              <a:buAutoNum type="arabicPeriod"/>
+            </a:pPr>
+            <a:r>
+              <a:rPr lang="en-US" altLang="zh-CN" sz="2000" b="0" i="0" dirty="0">
+                <a:solidFill>
+                  <a:srgbClr val="24292F"/>
+                </a:solidFill>
+                <a:effectLst/>
+                <a:latin typeface="-apple-system"/>
+              </a:rPr>
+              <a:t>If the length of the content before the dash is less than the length of the content after the dash, then keep the content after the dash.</a:t>
+            </a:r>
+          </a:p>
+          <a:p>
+            <a:pPr marL="742950" lvl="1" indent="-285750" algn="l">
+              <a:buFont typeface="+mj-lt"/>
+              <a:buAutoNum type="arabicPeriod"/>
+            </a:pPr>
+            <a:r>
+              <a:rPr lang="en-US" altLang="zh-CN" sz="2000" b="0" i="0" dirty="0">
+                <a:solidFill>
+                  <a:srgbClr val="24292F"/>
+                </a:solidFill>
+                <a:effectLst/>
+                <a:latin typeface="-apple-system"/>
+              </a:rPr>
+              <a:t>If the index of dash in the name &lt; 2 (considered as a prefix), keep the content after the dash.</a:t>
+            </a:r>
+          </a:p>
+          <a:p>
+            <a:pPr marL="742950" lvl="1" indent="-285750" algn="l">
+              <a:buFont typeface="+mj-lt"/>
+              <a:buAutoNum type="arabicPeriod"/>
+            </a:pPr>
+            <a:r>
+              <a:rPr lang="en-US" altLang="zh-CN" sz="2000" b="0" i="0" dirty="0">
+                <a:solidFill>
+                  <a:srgbClr val="24292F"/>
+                </a:solidFill>
+                <a:effectLst/>
+                <a:latin typeface="-apple-system"/>
+              </a:rPr>
+              <a:t>*Match once, if the match fails, remove the dash and make another match.</a:t>
+            </a:r>
+          </a:p>
+          <a:p>
+            <a:pPr algn="l">
+              <a:buFont typeface="+mj-lt"/>
+              <a:buAutoNum type="arabicPeriod"/>
+            </a:pPr>
+            <a:r>
+              <a:rPr lang="en-US" altLang="zh-CN" sz="2000" b="0" i="0" dirty="0">
+                <a:solidFill>
+                  <a:srgbClr val="24292F"/>
+                </a:solidFill>
+                <a:effectLst/>
+                <a:latin typeface="-apple-system"/>
+              </a:rPr>
+              <a:t>Make length of the name &lt; 7</a:t>
+            </a:r>
+          </a:p>
+          <a:p>
+            <a:pPr algn="l">
+              <a:buFont typeface="+mj-lt"/>
+              <a:buAutoNum type="arabicPeriod"/>
+            </a:pPr>
+            <a:r>
+              <a:rPr lang="en-US" altLang="zh-CN" sz="2000" b="0" i="0" dirty="0">
+                <a:solidFill>
+                  <a:srgbClr val="24292F"/>
+                </a:solidFill>
+                <a:effectLst/>
+                <a:latin typeface="-apple-system"/>
+              </a:rPr>
+              <a:t>Remove names with numbers only</a:t>
+            </a:r>
+          </a:p>
+          <a:p>
+            <a:pPr algn="l">
+              <a:buFont typeface="+mj-lt"/>
+              <a:buAutoNum type="arabicPeriod"/>
+            </a:pPr>
+            <a:r>
+              <a:rPr lang="en-US" altLang="zh-CN" sz="2000" b="0" i="0" dirty="0">
+                <a:solidFill>
+                  <a:srgbClr val="24292F"/>
+                </a:solidFill>
+                <a:effectLst/>
+                <a:latin typeface="-apple-system"/>
+              </a:rPr>
+              <a:t>Remove names that have only one letter</a:t>
+            </a:r>
+          </a:p>
+        </p:txBody>
+      </p:sp>
     </p:spTree>
     <p:extLst>
       <p:ext uri="{BB962C8B-B14F-4D97-AF65-F5344CB8AC3E}">
